--- a/Documentation/Obliczanie grafu widoczności.pptx
+++ b/Documentation/Obliczanie grafu widoczności.pptx
@@ -114,6 +114,11 @@
       </a:defRPr>
     </a:lvl9pPr>
   </p:defaultTextStyle>
+  <p:extLst>
+    <p:ext uri="{EFAFB233-063F-42B5-8137-9DF3F51BA10A}">
+      <p15:sldGuideLst xmlns:p15="http://schemas.microsoft.com/office/powerpoint/2012/main"/>
+    </p:ext>
+  </p:extLst>
 </p:presentation>
 </file>
 
@@ -264,7 +269,7 @@
           <a:p>
             <a:fld id="{82EDB8D0-98ED-4B86-9D5F-E61ADC70144D}" type="datetimeFigureOut">
               <a:rPr lang="en-US" smtClean="0"/>
-              <a:t>1/2/2023</a:t>
+              <a:t>1/3/2023</a:t>
             </a:fld>
             <a:endParaRPr lang="en-US" dirty="0"/>
           </a:p>
@@ -679,7 +684,7 @@
           <a:p>
             <a:fld id="{82EDB8D0-98ED-4B86-9D5F-E61ADC70144D}" type="datetimeFigureOut">
               <a:rPr lang="en-US" smtClean="0"/>
-              <a:t>1/2/2023</a:t>
+              <a:t>1/3/2023</a:t>
             </a:fld>
             <a:endParaRPr lang="en-US"/>
           </a:p>
@@ -1171,7 +1176,7 @@
           <a:p>
             <a:fld id="{82EDB8D0-98ED-4B86-9D5F-E61ADC70144D}" type="datetimeFigureOut">
               <a:rPr lang="en-US" smtClean="0"/>
-              <a:t>1/2/2023</a:t>
+              <a:t>1/3/2023</a:t>
             </a:fld>
             <a:endParaRPr lang="en-US"/>
           </a:p>
@@ -1658,7 +1663,7 @@
           <a:p>
             <a:fld id="{82EDB8D0-98ED-4B86-9D5F-E61ADC70144D}" type="datetimeFigureOut">
               <a:rPr lang="en-US" smtClean="0"/>
-              <a:t>1/2/2023</a:t>
+              <a:t>1/3/2023</a:t>
             </a:fld>
             <a:endParaRPr lang="en-US" dirty="0"/>
           </a:p>
@@ -2427,7 +2432,7 @@
           <a:p>
             <a:fld id="{82EDB8D0-98ED-4B86-9D5F-E61ADC70144D}" type="datetimeFigureOut">
               <a:rPr lang="en-US" smtClean="0"/>
-              <a:t>1/2/2023</a:t>
+              <a:t>1/3/2023</a:t>
             </a:fld>
             <a:endParaRPr lang="en-US"/>
           </a:p>
@@ -2909,7 +2914,7 @@
           <a:p>
             <a:fld id="{82EDB8D0-98ED-4B86-9D5F-E61ADC70144D}" type="datetimeFigureOut">
               <a:rPr lang="en-US" smtClean="0"/>
-              <a:t>1/2/2023</a:t>
+              <a:t>1/3/2023</a:t>
             </a:fld>
             <a:endParaRPr lang="en-US"/>
           </a:p>
@@ -3605,7 +3610,7 @@
           <a:p>
             <a:fld id="{82EDB8D0-98ED-4B86-9D5F-E61ADC70144D}" type="datetimeFigureOut">
               <a:rPr lang="en-US" smtClean="0"/>
-              <a:t>1/2/2023</a:t>
+              <a:t>1/3/2023</a:t>
             </a:fld>
             <a:endParaRPr lang="en-US"/>
           </a:p>
@@ -4030,7 +4035,7 @@
           <a:p>
             <a:fld id="{82EDB8D0-98ED-4B86-9D5F-E61ADC70144D}" type="datetimeFigureOut">
               <a:rPr lang="en-US" smtClean="0"/>
-              <a:t>1/2/2023</a:t>
+              <a:t>1/3/2023</a:t>
             </a:fld>
             <a:endParaRPr lang="en-US"/>
           </a:p>
@@ -4427,7 +4432,7 @@
           <a:p>
             <a:fld id="{82EDB8D0-98ED-4B86-9D5F-E61ADC70144D}" type="datetimeFigureOut">
               <a:rPr lang="en-US" smtClean="0"/>
-              <a:t>1/2/2023</a:t>
+              <a:t>1/3/2023</a:t>
             </a:fld>
             <a:endParaRPr lang="en-US"/>
           </a:p>
@@ -5022,7 +5027,7 @@
           <a:p>
             <a:fld id="{82EDB8D0-98ED-4B86-9D5F-E61ADC70144D}" type="datetimeFigureOut">
               <a:rPr lang="en-US" smtClean="0"/>
-              <a:t>1/2/2023</a:t>
+              <a:t>1/3/2023</a:t>
             </a:fld>
             <a:endParaRPr lang="en-US"/>
           </a:p>
@@ -5597,7 +5602,7 @@
           <a:p>
             <a:fld id="{82EDB8D0-98ED-4B86-9D5F-E61ADC70144D}" type="datetimeFigureOut">
               <a:rPr lang="en-US" smtClean="0"/>
-              <a:t>1/2/2023</a:t>
+              <a:t>1/3/2023</a:t>
             </a:fld>
             <a:endParaRPr lang="en-US"/>
           </a:p>
@@ -6124,7 +6129,7 @@
             <a:fld id="{82EDB8D0-98ED-4B86-9D5F-E61ADC70144D}" type="datetimeFigureOut">
               <a:rPr lang="en-US" smtClean="0"/>
               <a:pPr/>
-              <a:t>1/2/2023</a:t>
+              <a:t>1/3/2023</a:t>
             </a:fld>
             <a:endParaRPr lang="en-US" dirty="0"/>
           </a:p>
@@ -8557,6 +8562,9 @@
               <a:lnSpc>
                 <a:spcPct val="107000"/>
               </a:lnSpc>
+              <a:spcAft>
+                <a:spcPts val="600"/>
+              </a:spcAft>
               <a:buSzPts val="1400"/>
               <a:buFont typeface="Wingdings" panose="05000000000000000000" pitchFamily="2" charset="2"/>
               <a:buChar char=""/>
@@ -8607,7 +8615,7 @@
                 <a:spcPct val="107000"/>
               </a:lnSpc>
               <a:spcAft>
-                <a:spcPts val="800"/>
+                <a:spcPts val="600"/>
               </a:spcAft>
               <a:buSzPts val="1400"/>
               <a:buFont typeface="Wingdings" panose="05000000000000000000" pitchFamily="2" charset="2"/>
@@ -8616,19 +8624,9 @@
             <a:r>
               <a:rPr lang="pl-PL" sz="1800" dirty="0">
                 <a:latin typeface="Arial Narrow" panose="020B0606020202030204" pitchFamily="34" charset="0"/>
-                <a:hlinkClick r:id="rId2">
-                  <a:extLst>
-                    <a:ext uri="{A12FA001-AC4F-418D-AE19-62706E023703}">
-                      <ahyp:hlinkClr xmlns:ahyp="http://schemas.microsoft.com/office/drawing/2018/hyperlinkcolor" val="tx"/>
-                    </a:ext>
-                  </a:extLst>
-                </a:hlinkClick>
               </a:rPr>
               <a:t>https://www.science.smith.edu/~istreinu/Teaching/Courses/274/Spring98/Projects/Philip/fp/algVisibility.htm</a:t>
             </a:r>
-            <a:endParaRPr lang="pl-PL" sz="1800" dirty="0">
-              <a:latin typeface="Arial Narrow" panose="020B0606020202030204" pitchFamily="34" charset="0"/>
-            </a:endParaRPr>
           </a:p>
           <a:p>
             <a:pPr marL="342900" lvl="0" indent="-342900">
@@ -8636,7 +8634,7 @@
                 <a:spcPct val="107000"/>
               </a:lnSpc>
               <a:spcAft>
-                <a:spcPts val="800"/>
+                <a:spcPts val="600"/>
               </a:spcAft>
               <a:buSzPts val="1400"/>
               <a:buFont typeface="Wingdings" panose="05000000000000000000" pitchFamily="2" charset="2"/>
@@ -8648,9 +8646,6 @@
               </a:rPr>
               <a:t>https://sj.umg.edu.pl/sites/default/files/ZN501.pdf</a:t>
             </a:r>
-          </a:p>
-          <a:p>
-            <a:endParaRPr lang="pl-PL" dirty="0"/>
           </a:p>
         </p:txBody>
       </p:sp>
@@ -9057,8 +9052,8 @@
         </p:blipFill>
         <p:spPr>
           <a:xfrm>
-            <a:off x="7627531" y="1966474"/>
-            <a:ext cx="3135655" cy="2925051"/>
+            <a:off x="7329907" y="1966474"/>
+            <a:ext cx="3433279" cy="3202685"/>
           </a:xfrm>
           <a:prstGeom prst="rect">
             <a:avLst/>

--- a/Documentation/Obliczanie grafu widoczności.pptx
+++ b/Documentation/Obliczanie grafu widoczności.pptx
@@ -7867,7 +7867,7 @@
         </p:nvSpPr>
         <p:spPr>
           <a:xfrm>
-            <a:off x="5809819" y="1644328"/>
+            <a:off x="5950400" y="1717898"/>
             <a:ext cx="5393361" cy="1409524"/>
           </a:xfrm>
         </p:spPr>
@@ -7881,91 +7881,135 @@
               <a:buNone/>
             </a:pPr>
             <a:r>
-              <a:rPr lang="en-US" sz="2400" dirty="0"/>
+              <a:rPr lang="en-US" sz="2400" dirty="0">
+                <a:latin typeface="Arial Narrow" panose="020B0606020202030204" pitchFamily="34" charset="0"/>
+              </a:rPr>
               <a:t>Do </a:t>
             </a:r>
             <a:r>
-              <a:rPr lang="en-US" sz="2400" dirty="0" err="1"/>
+              <a:rPr lang="en-US" sz="2400" dirty="0" err="1">
+                <a:latin typeface="Arial Narrow" panose="020B0606020202030204" pitchFamily="34" charset="0"/>
+              </a:rPr>
               <a:t>ostatniego</a:t>
             </a:r>
             <a:r>
-              <a:rPr lang="en-US" sz="2400" dirty="0"/>
+              <a:rPr lang="en-US" sz="2400" dirty="0">
+                <a:latin typeface="Arial Narrow" panose="020B0606020202030204" pitchFamily="34" charset="0"/>
+              </a:rPr>
               <a:t> </a:t>
             </a:r>
             <a:r>
-              <a:rPr lang="en-US" sz="2400" dirty="0" err="1"/>
+              <a:rPr lang="en-US" sz="2400" dirty="0" err="1">
+                <a:latin typeface="Arial Narrow" panose="020B0606020202030204" pitchFamily="34" charset="0"/>
+              </a:rPr>
               <a:t>kroku</a:t>
             </a:r>
             <a:r>
-              <a:rPr lang="en-US" sz="2400" dirty="0"/>
+              <a:rPr lang="en-US" sz="2400" dirty="0">
+                <a:latin typeface="Arial Narrow" panose="020B0606020202030204" pitchFamily="34" charset="0"/>
+              </a:rPr>
               <a:t> </a:t>
             </a:r>
             <a:r>
-              <a:rPr lang="en-US" sz="2400" dirty="0" err="1"/>
+              <a:rPr lang="en-US" sz="2400" dirty="0" err="1">
+                <a:latin typeface="Arial Narrow" panose="020B0606020202030204" pitchFamily="34" charset="0"/>
+              </a:rPr>
               <a:t>wykorzystano</a:t>
             </a:r>
             <a:r>
-              <a:rPr lang="en-US" sz="2400" dirty="0"/>
+              <a:rPr lang="en-US" sz="2400" dirty="0">
+                <a:latin typeface="Arial Narrow" panose="020B0606020202030204" pitchFamily="34" charset="0"/>
+              </a:rPr>
               <a:t> </a:t>
             </a:r>
             <a:r>
-              <a:rPr lang="en-US" sz="2400" dirty="0" err="1"/>
+              <a:rPr lang="en-US" sz="2400" dirty="0" err="1">
+                <a:latin typeface="Arial Narrow" panose="020B0606020202030204" pitchFamily="34" charset="0"/>
+              </a:rPr>
               <a:t>algorytm</a:t>
             </a:r>
             <a:r>
-              <a:rPr lang="en-US" sz="2400" dirty="0"/>
+              <a:rPr lang="en-US" sz="2400" dirty="0">
+                <a:latin typeface="Arial Narrow" panose="020B0606020202030204" pitchFamily="34" charset="0"/>
+              </a:rPr>
               <a:t> </a:t>
             </a:r>
             <a:r>
-              <a:rPr lang="en-US" sz="2400" dirty="0" err="1"/>
+              <a:rPr lang="en-US" sz="2400" dirty="0" err="1">
+                <a:latin typeface="Arial Narrow" panose="020B0606020202030204" pitchFamily="34" charset="0"/>
+              </a:rPr>
               <a:t>Dijkstry</a:t>
             </a:r>
             <a:r>
-              <a:rPr lang="pl-PL" sz="2400" dirty="0"/>
+              <a:rPr lang="pl-PL" sz="2400" dirty="0">
+                <a:latin typeface="Arial Narrow" panose="020B0606020202030204" pitchFamily="34" charset="0"/>
+              </a:rPr>
               <a:t> </a:t>
             </a:r>
             <a:r>
-              <a:rPr lang="en-US" sz="2400" dirty="0" err="1"/>
+              <a:rPr lang="en-US" sz="2400" dirty="0" err="1">
+                <a:latin typeface="Arial Narrow" panose="020B0606020202030204" pitchFamily="34" charset="0"/>
+              </a:rPr>
               <a:t>zwraca</a:t>
             </a:r>
             <a:r>
-              <a:rPr lang="pl-PL" sz="2400" dirty="0" err="1"/>
+              <a:rPr lang="pl-PL" sz="2400" dirty="0" err="1">
+                <a:latin typeface="Arial Narrow" panose="020B0606020202030204" pitchFamily="34" charset="0"/>
+              </a:rPr>
               <a:t>jący</a:t>
             </a:r>
             <a:r>
-              <a:rPr lang="en-US" sz="2400" dirty="0"/>
+              <a:rPr lang="en-US" sz="2400" dirty="0">
+                <a:latin typeface="Arial Narrow" panose="020B0606020202030204" pitchFamily="34" charset="0"/>
+              </a:rPr>
               <a:t> </a:t>
             </a:r>
             <a:r>
-              <a:rPr lang="en-US" sz="2400" dirty="0" err="1"/>
+              <a:rPr lang="en-US" sz="2400" dirty="0" err="1">
+                <a:latin typeface="Arial Narrow" panose="020B0606020202030204" pitchFamily="34" charset="0"/>
+              </a:rPr>
               <a:t>najkrótszą</a:t>
             </a:r>
             <a:r>
-              <a:rPr lang="en-US" sz="2400" dirty="0"/>
+              <a:rPr lang="en-US" sz="2400" dirty="0">
+                <a:latin typeface="Arial Narrow" panose="020B0606020202030204" pitchFamily="34" charset="0"/>
+              </a:rPr>
               <a:t> </a:t>
             </a:r>
             <a:r>
-              <a:rPr lang="en-US" sz="2400" dirty="0" err="1"/>
+              <a:rPr lang="en-US" sz="2400" dirty="0" err="1">
+                <a:latin typeface="Arial Narrow" panose="020B0606020202030204" pitchFamily="34" charset="0"/>
+              </a:rPr>
               <a:t>ścieżkę</a:t>
             </a:r>
             <a:r>
-              <a:rPr lang="en-US" sz="2400" dirty="0"/>
+              <a:rPr lang="en-US" sz="2400" dirty="0">
+                <a:latin typeface="Arial Narrow" panose="020B0606020202030204" pitchFamily="34" charset="0"/>
+              </a:rPr>
               <a:t> w </a:t>
             </a:r>
             <a:r>
-              <a:rPr lang="en-US" sz="2400" dirty="0" err="1"/>
+              <a:rPr lang="en-US" sz="2400" dirty="0" err="1">
+                <a:latin typeface="Arial Narrow" panose="020B0606020202030204" pitchFamily="34" charset="0"/>
+              </a:rPr>
               <a:t>zadanym</a:t>
             </a:r>
             <a:r>
-              <a:rPr lang="en-US" sz="2400" dirty="0"/>
+              <a:rPr lang="en-US" sz="2400" dirty="0">
+                <a:latin typeface="Arial Narrow" panose="020B0606020202030204" pitchFamily="34" charset="0"/>
+              </a:rPr>
               <a:t> </a:t>
             </a:r>
             <a:r>
-              <a:rPr lang="en-US" sz="2400" dirty="0" err="1"/>
+              <a:rPr lang="en-US" sz="2400" dirty="0" err="1">
+                <a:latin typeface="Arial Narrow" panose="020B0606020202030204" pitchFamily="34" charset="0"/>
+              </a:rPr>
               <a:t>grafie</a:t>
             </a:r>
             <a:r>
-              <a:rPr lang="en-US" sz="2400" dirty="0"/>
+              <a:rPr lang="en-US" sz="2400" dirty="0">
+                <a:latin typeface="Arial Narrow" panose="020B0606020202030204" pitchFamily="34" charset="0"/>
+              </a:rPr>
               <a:t>.</a:t>
             </a:r>
           </a:p>
@@ -8646,6 +8690,43 @@
               </a:rPr>
               <a:t>https://sj.umg.edu.pl/sites/default/files/ZN501.pdf</a:t>
             </a:r>
+          </a:p>
+          <a:p>
+            <a:pPr marL="342900" indent="-342900">
+              <a:lnSpc>
+                <a:spcPct val="107000"/>
+              </a:lnSpc>
+              <a:spcAft>
+                <a:spcPts val="600"/>
+              </a:spcAft>
+              <a:buSzPts val="1400"/>
+              <a:buFont typeface="Wingdings" panose="05000000000000000000" pitchFamily="2" charset="2"/>
+              <a:buChar char=""/>
+            </a:pPr>
+            <a:r>
+              <a:rPr lang="pl-PL" sz="1800" dirty="0">
+                <a:effectLst/>
+                <a:latin typeface="Arial Narrow" panose="020B0606020202030204" pitchFamily="34" charset="0"/>
+                <a:ea typeface="Calibri" panose="020F0502020204030204" pitchFamily="34" charset="0"/>
+                <a:cs typeface="Times New Roman" panose="02020603050405020304" pitchFamily="18" charset="0"/>
+              </a:rPr>
+              <a:t>https://www.geeksforgeeks.org/check-if-two-given-line-segments-intersect/</a:t>
+            </a:r>
+          </a:p>
+          <a:p>
+            <a:pPr marL="0" lvl="0" indent="0">
+              <a:lnSpc>
+                <a:spcPct val="107000"/>
+              </a:lnSpc>
+              <a:spcAft>
+                <a:spcPts val="600"/>
+              </a:spcAft>
+              <a:buSzPts val="1400"/>
+              <a:buNone/>
+            </a:pPr>
+            <a:endParaRPr lang="pl-PL" sz="1800" dirty="0">
+              <a:latin typeface="Arial Narrow" panose="020B0606020202030204" pitchFamily="34" charset="0"/>
+            </a:endParaRPr>
           </a:p>
         </p:txBody>
       </p:sp>
@@ -13309,85 +13390,6 @@
           </a:p>
         </p:txBody>
       </p:sp>
-      <p:pic>
-        <p:nvPicPr>
-          <p:cNvPr id="8" name="Obraz 7">
-            <a:extLst>
-              <a:ext uri="{FF2B5EF4-FFF2-40B4-BE49-F238E27FC236}">
-                <a16:creationId xmlns:a16="http://schemas.microsoft.com/office/drawing/2014/main" id="{38088A09-9D8C-0AE3-FC68-CA0BDFEB18FB}"/>
-              </a:ext>
-            </a:extLst>
-          </p:cNvPr>
-          <p:cNvPicPr>
-            <a:picLocks noChangeAspect="1"/>
-          </p:cNvPicPr>
-          <p:nvPr/>
-        </p:nvPicPr>
-        <p:blipFill rotWithShape="1">
-          <a:blip r:embed="rId3">
-            <a:extLst>
-              <a:ext uri="{28A0092B-C50C-407E-A947-70E740481C1C}">
-                <a14:useLocalDpi xmlns:a14="http://schemas.microsoft.com/office/drawing/2010/main" val="0"/>
-              </a:ext>
-            </a:extLst>
-          </a:blip>
-          <a:srcRect l="5009" t="4856" r="8724" b="13474"/>
-          <a:stretch/>
-        </p:blipFill>
-        <p:spPr>
-          <a:xfrm>
-            <a:off x="3426225" y="1804866"/>
-            <a:ext cx="2533422" cy="1900066"/>
-          </a:xfrm>
-          <a:custGeom>
-            <a:avLst/>
-            <a:gdLst/>
-            <a:ahLst/>
-            <a:cxnLst/>
-            <a:rect l="l" t="t" r="r" b="b"/>
-            <a:pathLst>
-              <a:path w="1999274" h="2247255">
-                <a:moveTo>
-                  <a:pt x="108501" y="0"/>
-                </a:moveTo>
-                <a:lnTo>
-                  <a:pt x="1890773" y="0"/>
-                </a:lnTo>
-                <a:cubicBezTo>
-                  <a:pt x="1950696" y="0"/>
-                  <a:pt x="1999274" y="48578"/>
-                  <a:pt x="1999274" y="108501"/>
-                </a:cubicBezTo>
-                <a:lnTo>
-                  <a:pt x="1999274" y="2138754"/>
-                </a:lnTo>
-                <a:cubicBezTo>
-                  <a:pt x="1999274" y="2198677"/>
-                  <a:pt x="1950696" y="2247255"/>
-                  <a:pt x="1890773" y="2247255"/>
-                </a:cubicBezTo>
-                <a:lnTo>
-                  <a:pt x="108501" y="2247255"/>
-                </a:lnTo>
-                <a:cubicBezTo>
-                  <a:pt x="48578" y="2247255"/>
-                  <a:pt x="0" y="2198677"/>
-                  <a:pt x="0" y="2138754"/>
-                </a:cubicBezTo>
-                <a:lnTo>
-                  <a:pt x="0" y="108501"/>
-                </a:lnTo>
-                <a:cubicBezTo>
-                  <a:pt x="0" y="48578"/>
-                  <a:pt x="48578" y="0"/>
-                  <a:pt x="108501" y="0"/>
-                </a:cubicBezTo>
-                <a:close/>
-              </a:path>
-            </a:pathLst>
-          </a:custGeom>
-        </p:spPr>
-      </p:pic>
       <p:sp>
         <p:nvSpPr>
           <p:cNvPr id="25" name="Freeform: Shape 24">
@@ -13568,7 +13570,7 @@
           <p:nvPr/>
         </p:nvPicPr>
         <p:blipFill rotWithShape="1">
-          <a:blip r:embed="rId4">
+          <a:blip r:embed="rId3">
             <a:extLst>
               <a:ext uri="{28A0092B-C50C-407E-A947-70E740481C1C}">
                 <a14:useLocalDpi xmlns:a14="http://schemas.microsoft.com/office/drawing/2010/main" val="0"/>
@@ -13664,107 +13666,159 @@
               <a:buNone/>
             </a:pPr>
             <a:r>
-              <a:rPr lang="en-US" sz="2400" dirty="0" err="1"/>
+              <a:rPr lang="en-US" sz="2400" dirty="0" err="1">
+                <a:latin typeface="Arial Narrow" panose="020B0606020202030204" pitchFamily="34" charset="0"/>
+              </a:rPr>
               <a:t>Skoro</a:t>
             </a:r>
             <a:r>
-              <a:rPr lang="en-US" sz="2400" dirty="0"/>
+              <a:rPr lang="en-US" sz="2400" dirty="0">
+                <a:latin typeface="Arial Narrow" panose="020B0606020202030204" pitchFamily="34" charset="0"/>
+              </a:rPr>
               <a:t> </a:t>
             </a:r>
             <a:r>
-              <a:rPr lang="en-US" sz="2400" dirty="0" err="1"/>
+              <a:rPr lang="en-US" sz="2400" dirty="0" err="1">
+                <a:latin typeface="Arial Narrow" panose="020B0606020202030204" pitchFamily="34" charset="0"/>
+              </a:rPr>
               <a:t>potrafimy</a:t>
             </a:r>
             <a:r>
-              <a:rPr lang="en-US" sz="2400" dirty="0"/>
+              <a:rPr lang="en-US" sz="2400" dirty="0">
+                <a:latin typeface="Arial Narrow" panose="020B0606020202030204" pitchFamily="34" charset="0"/>
+              </a:rPr>
               <a:t> </a:t>
             </a:r>
             <a:r>
-              <a:rPr lang="en-US" sz="2400" dirty="0" err="1"/>
+              <a:rPr lang="en-US" sz="2400" dirty="0" err="1">
+                <a:latin typeface="Arial Narrow" panose="020B0606020202030204" pitchFamily="34" charset="0"/>
+              </a:rPr>
               <a:t>sprawdzić</a:t>
             </a:r>
             <a:r>
-              <a:rPr lang="en-US" sz="2400" dirty="0"/>
+              <a:rPr lang="en-US" sz="2400" dirty="0">
+                <a:latin typeface="Arial Narrow" panose="020B0606020202030204" pitchFamily="34" charset="0"/>
+              </a:rPr>
               <a:t> </a:t>
             </a:r>
             <a:r>
-              <a:rPr lang="en-US" sz="2400" dirty="0" err="1"/>
+              <a:rPr lang="en-US" sz="2400" dirty="0" err="1">
+                <a:latin typeface="Arial Narrow" panose="020B0606020202030204" pitchFamily="34" charset="0"/>
+              </a:rPr>
               <a:t>widoczność</a:t>
             </a:r>
             <a:r>
-              <a:rPr lang="en-US" sz="2400" dirty="0"/>
+              <a:rPr lang="en-US" sz="2400" dirty="0">
+                <a:latin typeface="Arial Narrow" panose="020B0606020202030204" pitchFamily="34" charset="0"/>
+              </a:rPr>
               <a:t> z </a:t>
             </a:r>
             <a:r>
-              <a:rPr lang="en-US" sz="2400" dirty="0" err="1"/>
+              <a:rPr lang="en-US" sz="2400" dirty="0" err="1">
+                <a:latin typeface="Arial Narrow" panose="020B0606020202030204" pitchFamily="34" charset="0"/>
+              </a:rPr>
               <a:t>dowolnego</a:t>
             </a:r>
             <a:r>
-              <a:rPr lang="en-US" sz="2400" dirty="0"/>
+              <a:rPr lang="en-US" sz="2400" dirty="0">
+                <a:latin typeface="Arial Narrow" panose="020B0606020202030204" pitchFamily="34" charset="0"/>
+              </a:rPr>
               <a:t> </a:t>
             </a:r>
             <a:r>
-              <a:rPr lang="en-US" sz="2400" dirty="0" err="1"/>
+              <a:rPr lang="en-US" sz="2400" dirty="0" err="1">
+                <a:latin typeface="Arial Narrow" panose="020B0606020202030204" pitchFamily="34" charset="0"/>
+              </a:rPr>
               <a:t>wierzchołka</a:t>
             </a:r>
             <a:r>
-              <a:rPr lang="en-US" sz="2400" dirty="0"/>
+              <a:rPr lang="en-US" sz="2400" dirty="0">
+                <a:latin typeface="Arial Narrow" panose="020B0606020202030204" pitchFamily="34" charset="0"/>
+              </a:rPr>
               <a:t>, to </a:t>
             </a:r>
             <a:r>
-              <a:rPr lang="en-US" sz="2400" dirty="0" err="1"/>
+              <a:rPr lang="en-US" sz="2400" dirty="0" err="1">
+                <a:latin typeface="Arial Narrow" panose="020B0606020202030204" pitchFamily="34" charset="0"/>
+              </a:rPr>
               <a:t>przechodząc</a:t>
             </a:r>
             <a:r>
-              <a:rPr lang="en-US" sz="2400" dirty="0"/>
+              <a:rPr lang="en-US" sz="2400" dirty="0">
+                <a:latin typeface="Arial Narrow" panose="020B0606020202030204" pitchFamily="34" charset="0"/>
+              </a:rPr>
               <a:t> </a:t>
             </a:r>
             <a:r>
-              <a:rPr lang="en-US" sz="2400" dirty="0" err="1"/>
+              <a:rPr lang="en-US" sz="2400" dirty="0" err="1">
+                <a:latin typeface="Arial Narrow" panose="020B0606020202030204" pitchFamily="34" charset="0"/>
+              </a:rPr>
               <a:t>pętlą</a:t>
             </a:r>
             <a:r>
-              <a:rPr lang="en-US" sz="2400" dirty="0"/>
+              <a:rPr lang="en-US" sz="2400" dirty="0">
+                <a:latin typeface="Arial Narrow" panose="020B0606020202030204" pitchFamily="34" charset="0"/>
+              </a:rPr>
               <a:t> po </a:t>
             </a:r>
             <a:r>
-              <a:rPr lang="en-US" sz="2400" dirty="0" err="1"/>
+              <a:rPr lang="en-US" sz="2400" dirty="0" err="1">
+                <a:latin typeface="Arial Narrow" panose="020B0606020202030204" pitchFamily="34" charset="0"/>
+              </a:rPr>
               <a:t>wszystkich</a:t>
             </a:r>
             <a:r>
-              <a:rPr lang="en-US" sz="2400" dirty="0"/>
+              <a:rPr lang="en-US" sz="2400" dirty="0">
+                <a:latin typeface="Arial Narrow" panose="020B0606020202030204" pitchFamily="34" charset="0"/>
+              </a:rPr>
               <a:t> </a:t>
             </a:r>
             <a:r>
-              <a:rPr lang="en-US" sz="2400" dirty="0" err="1"/>
+              <a:rPr lang="en-US" sz="2400" dirty="0" err="1">
+                <a:latin typeface="Arial Narrow" panose="020B0606020202030204" pitchFamily="34" charset="0"/>
+              </a:rPr>
               <a:t>wierzchołkach</a:t>
             </a:r>
             <a:r>
-              <a:rPr lang="en-US" sz="2400" dirty="0"/>
+              <a:rPr lang="en-US" sz="2400" dirty="0">
+                <a:latin typeface="Arial Narrow" panose="020B0606020202030204" pitchFamily="34" charset="0"/>
+              </a:rPr>
               <a:t> </a:t>
             </a:r>
             <a:r>
-              <a:rPr lang="en-US" sz="2400" dirty="0" err="1"/>
+              <a:rPr lang="en-US" sz="2400" dirty="0" err="1">
+                <a:latin typeface="Arial Narrow" panose="020B0606020202030204" pitchFamily="34" charset="0"/>
+              </a:rPr>
               <a:t>otrzymamy</a:t>
             </a:r>
             <a:r>
-              <a:rPr lang="en-US" sz="2400" dirty="0"/>
+              <a:rPr lang="en-US" sz="2400" dirty="0">
+                <a:latin typeface="Arial Narrow" panose="020B0606020202030204" pitchFamily="34" charset="0"/>
+              </a:rPr>
               <a:t> </a:t>
             </a:r>
             <a:r>
-              <a:rPr lang="en-US" sz="2400" dirty="0" err="1"/>
+              <a:rPr lang="en-US" sz="2400" dirty="0" err="1">
+                <a:latin typeface="Arial Narrow" panose="020B0606020202030204" pitchFamily="34" charset="0"/>
+              </a:rPr>
               <a:t>graf</a:t>
             </a:r>
             <a:r>
-              <a:rPr lang="en-US" sz="2400" dirty="0"/>
+              <a:rPr lang="en-US" sz="2400" dirty="0">
+                <a:latin typeface="Arial Narrow" panose="020B0606020202030204" pitchFamily="34" charset="0"/>
+              </a:rPr>
               <a:t> </a:t>
             </a:r>
             <a:r>
-              <a:rPr lang="en-US" sz="2400" dirty="0" err="1"/>
+              <a:rPr lang="en-US" sz="2400" dirty="0" err="1">
+                <a:latin typeface="Arial Narrow" panose="020B0606020202030204" pitchFamily="34" charset="0"/>
+              </a:rPr>
               <a:t>widoczności</a:t>
             </a:r>
             <a:r>
-              <a:rPr lang="en-US" sz="2400" dirty="0"/>
+              <a:rPr lang="en-US" sz="2400" dirty="0">
+                <a:latin typeface="Arial Narrow" panose="020B0606020202030204" pitchFamily="34" charset="0"/>
+              </a:rPr>
               <a:t>.</a:t>
             </a:r>
           </a:p>
@@ -13878,7 +13932,7 @@
           <p:nvPr/>
         </p:nvPicPr>
         <p:blipFill rotWithShape="1">
-          <a:blip r:embed="rId5">
+          <a:blip r:embed="rId4">
             <a:extLst>
               <a:ext uri="{28A0092B-C50C-407E-A947-70E740481C1C}">
                 <a14:useLocalDpi xmlns:a14="http://schemas.microsoft.com/office/drawing/2010/main" val="0"/>
@@ -13892,6 +13946,36 @@
           <a:xfrm>
             <a:off x="3423177" y="4541129"/>
             <a:ext cx="2864278" cy="1900067"/>
+          </a:xfrm>
+          <a:prstGeom prst="rect">
+            <a:avLst/>
+          </a:prstGeom>
+        </p:spPr>
+      </p:pic>
+      <p:pic>
+        <p:nvPicPr>
+          <p:cNvPr id="5" name="Obraz 4">
+            <a:extLst>
+              <a:ext uri="{FF2B5EF4-FFF2-40B4-BE49-F238E27FC236}">
+                <a16:creationId xmlns:a16="http://schemas.microsoft.com/office/drawing/2014/main" id="{3CBC69E0-929F-AB20-CEC1-4AF704C9297D}"/>
+              </a:ext>
+            </a:extLst>
+          </p:cNvPr>
+          <p:cNvPicPr>
+            <a:picLocks noChangeAspect="1"/>
+          </p:cNvPicPr>
+          <p:nvPr/>
+        </p:nvPicPr>
+        <p:blipFill>
+          <a:blip r:embed="rId5"/>
+          <a:stretch>
+            <a:fillRect/>
+          </a:stretch>
+        </p:blipFill>
+        <p:spPr>
+          <a:xfrm>
+            <a:off x="3423176" y="1911484"/>
+            <a:ext cx="2672823" cy="1792138"/>
           </a:xfrm>
           <a:prstGeom prst="rect">
             <a:avLst/>
